--- a/docs/Presentacion_Heart_Failure.pptx
+++ b/docs/Presentacion_Heart_Failure.pptx
@@ -248,7 +248,7 @@
           <a:p>
             <a:fld id="{F27E12F7-1335-4452-92CB-7C5BB373C403}" type="datetimeFigureOut">
               <a:rPr lang="es-AR" smtClean="0"/>
-              <a:t>4/9/2021</a:t>
+              <a:t>6/9/2021</a:t>
             </a:fld>
             <a:endParaRPr lang="es-AR"/>
           </a:p>
@@ -418,7 +418,7 @@
           <a:p>
             <a:fld id="{F27E12F7-1335-4452-92CB-7C5BB373C403}" type="datetimeFigureOut">
               <a:rPr lang="es-AR" smtClean="0"/>
-              <a:t>4/9/2021</a:t>
+              <a:t>6/9/2021</a:t>
             </a:fld>
             <a:endParaRPr lang="es-AR"/>
           </a:p>
@@ -598,7 +598,7 @@
           <a:p>
             <a:fld id="{F27E12F7-1335-4452-92CB-7C5BB373C403}" type="datetimeFigureOut">
               <a:rPr lang="es-AR" smtClean="0"/>
-              <a:t>4/9/2021</a:t>
+              <a:t>6/9/2021</a:t>
             </a:fld>
             <a:endParaRPr lang="es-AR"/>
           </a:p>
@@ -768,7 +768,7 @@
           <a:p>
             <a:fld id="{F27E12F7-1335-4452-92CB-7C5BB373C403}" type="datetimeFigureOut">
               <a:rPr lang="es-AR" smtClean="0"/>
-              <a:t>4/9/2021</a:t>
+              <a:t>6/9/2021</a:t>
             </a:fld>
             <a:endParaRPr lang="es-AR"/>
           </a:p>
@@ -1014,7 +1014,7 @@
           <a:p>
             <a:fld id="{F27E12F7-1335-4452-92CB-7C5BB373C403}" type="datetimeFigureOut">
               <a:rPr lang="es-AR" smtClean="0"/>
-              <a:t>4/9/2021</a:t>
+              <a:t>6/9/2021</a:t>
             </a:fld>
             <a:endParaRPr lang="es-AR"/>
           </a:p>
@@ -1246,7 +1246,7 @@
           <a:p>
             <a:fld id="{F27E12F7-1335-4452-92CB-7C5BB373C403}" type="datetimeFigureOut">
               <a:rPr lang="es-AR" smtClean="0"/>
-              <a:t>4/9/2021</a:t>
+              <a:t>6/9/2021</a:t>
             </a:fld>
             <a:endParaRPr lang="es-AR"/>
           </a:p>
@@ -1613,7 +1613,7 @@
           <a:p>
             <a:fld id="{F27E12F7-1335-4452-92CB-7C5BB373C403}" type="datetimeFigureOut">
               <a:rPr lang="es-AR" smtClean="0"/>
-              <a:t>4/9/2021</a:t>
+              <a:t>6/9/2021</a:t>
             </a:fld>
             <a:endParaRPr lang="es-AR"/>
           </a:p>
@@ -1731,7 +1731,7 @@
           <a:p>
             <a:fld id="{F27E12F7-1335-4452-92CB-7C5BB373C403}" type="datetimeFigureOut">
               <a:rPr lang="es-AR" smtClean="0"/>
-              <a:t>4/9/2021</a:t>
+              <a:t>6/9/2021</a:t>
             </a:fld>
             <a:endParaRPr lang="es-AR"/>
           </a:p>
@@ -1826,7 +1826,7 @@
           <a:p>
             <a:fld id="{F27E12F7-1335-4452-92CB-7C5BB373C403}" type="datetimeFigureOut">
               <a:rPr lang="es-AR" smtClean="0"/>
-              <a:t>4/9/2021</a:t>
+              <a:t>6/9/2021</a:t>
             </a:fld>
             <a:endParaRPr lang="es-AR"/>
           </a:p>
@@ -2103,7 +2103,7 @@
           <a:p>
             <a:fld id="{F27E12F7-1335-4452-92CB-7C5BB373C403}" type="datetimeFigureOut">
               <a:rPr lang="es-AR" smtClean="0"/>
-              <a:t>4/9/2021</a:t>
+              <a:t>6/9/2021</a:t>
             </a:fld>
             <a:endParaRPr lang="es-AR"/>
           </a:p>
@@ -2360,7 +2360,7 @@
           <a:p>
             <a:fld id="{F27E12F7-1335-4452-92CB-7C5BB373C403}" type="datetimeFigureOut">
               <a:rPr lang="es-AR" smtClean="0"/>
-              <a:t>4/9/2021</a:t>
+              <a:t>6/9/2021</a:t>
             </a:fld>
             <a:endParaRPr lang="es-AR"/>
           </a:p>
@@ -2573,7 +2573,7 @@
           <a:p>
             <a:fld id="{F27E12F7-1335-4452-92CB-7C5BB373C403}" type="datetimeFigureOut">
               <a:rPr lang="es-AR" smtClean="0"/>
-              <a:t>4/9/2021</a:t>
+              <a:t>6/9/2021</a:t>
             </a:fld>
             <a:endParaRPr lang="es-AR"/>
           </a:p>
@@ -3468,14 +3468,20 @@
                 </a:ln>
                 <a:solidFill>
                   <a:schemeClr val="tx1">
-                    <a:lumMod val="95000"/>
+                    <a:lumMod val="85000"/>
                   </a:schemeClr>
                 </a:solidFill>
                 <a:latin typeface="Avenir Next LT Pro Light" panose="020B0304020202020204" pitchFamily="34" charset="0"/>
               </a:rPr>
               <a:t>HEART FAILURE PREDICTION</a:t>
             </a:r>
-            <a:endParaRPr lang="es-AR" sz="3600" b="1" spc="300" dirty="0"/>
+            <a:endParaRPr lang="es-AR" sz="3600" b="1" spc="300" dirty="0">
+              <a:solidFill>
+                <a:schemeClr val="tx1">
+                  <a:lumMod val="85000"/>
+                </a:schemeClr>
+              </a:solidFill>
+            </a:endParaRPr>
           </a:p>
         </p:txBody>
       </p:sp>
@@ -3494,7 +3500,7 @@
         <p:spPr>
           <a:xfrm>
             <a:off x="4247397" y="6064640"/>
-            <a:ext cx="7496891" cy="646331"/>
+            <a:ext cx="7496891" cy="615553"/>
           </a:xfrm>
           <a:prstGeom prst="rect">
             <a:avLst/>
@@ -3516,7 +3522,7 @@
           </a:p>
           <a:p>
             <a:r>
-              <a:rPr lang="es-AR" sz="2000" dirty="0">
+              <a:rPr lang="es-AR" dirty="0">
                 <a:latin typeface="Avenir Next LT Pro Light" panose="020B0304020202020204" pitchFamily="34" charset="0"/>
               </a:rPr>
               <a:t>https://www.kaggle.com/andrewmvd/heart-failure-clinical-data</a:t>
@@ -3566,7 +3572,7 @@
             <a:r>
               <a:rPr lang="es-AR" sz="1600" b="0" dirty="0" err="1">
                 <a:solidFill>
-                  <a:srgbClr val="CE9178"/>
+                  <a:schemeClr val="accent2"/>
                 </a:solidFill>
                 <a:effectLst/>
                 <a:latin typeface="Avenir Next LT Pro Light" panose="020B0304020202020204" pitchFamily="34" charset="0"/>
@@ -3588,7 +3594,7 @@
             <a:r>
               <a:rPr lang="es-AR" sz="1600" b="0" dirty="0">
                 <a:solidFill>
-                  <a:srgbClr val="CE9178"/>
+                  <a:schemeClr val="accent2"/>
                 </a:solidFill>
                 <a:effectLst/>
                 <a:latin typeface="Avenir Next LT Pro Light" panose="020B0304020202020204" pitchFamily="34" charset="0"/>
@@ -3610,7 +3616,7 @@
             <a:r>
               <a:rPr lang="es-AR" sz="1600" b="0" dirty="0">
                 <a:solidFill>
-                  <a:srgbClr val="CE9178"/>
+                  <a:schemeClr val="accent2"/>
                 </a:solidFill>
                 <a:effectLst/>
                 <a:latin typeface="Avenir Next LT Pro Light" panose="020B0304020202020204" pitchFamily="34" charset="0"/>
@@ -3632,7 +3638,7 @@
             <a:r>
               <a:rPr lang="es-AR" sz="1600" b="0" dirty="0">
                 <a:solidFill>
-                  <a:srgbClr val="CE9178"/>
+                  <a:schemeClr val="accent2"/>
                 </a:solidFill>
                 <a:effectLst/>
                 <a:latin typeface="Avenir Next LT Pro Light" panose="020B0304020202020204" pitchFamily="34" charset="0"/>
@@ -3654,7 +3660,7 @@
             <a:r>
               <a:rPr lang="es-AR" sz="1600" b="0" dirty="0" err="1">
                 <a:solidFill>
-                  <a:srgbClr val="CE9178"/>
+                  <a:schemeClr val="accent2"/>
                 </a:solidFill>
                 <a:effectLst/>
                 <a:latin typeface="Avenir Next LT Pro Light" panose="020B0304020202020204" pitchFamily="34" charset="0"/>
@@ -3697,7 +3703,7 @@
             <a:r>
               <a:rPr lang="es-AR" sz="1600" b="0" dirty="0" err="1">
                 <a:solidFill>
-                  <a:srgbClr val="CE9178"/>
+                  <a:schemeClr val="accent2"/>
                 </a:solidFill>
                 <a:effectLst/>
                 <a:latin typeface="Avenir Next LT Pro Light" panose="020B0304020202020204" pitchFamily="34" charset="0"/>
@@ -3719,7 +3725,7 @@
             <a:r>
               <a:rPr lang="es-AR" sz="1600" b="0" dirty="0" err="1">
                 <a:solidFill>
-                  <a:srgbClr val="CE9178"/>
+                  <a:schemeClr val="accent2"/>
                 </a:solidFill>
                 <a:effectLst/>
                 <a:latin typeface="Avenir Next LT Pro Light" panose="020B0304020202020204" pitchFamily="34" charset="0"/>
@@ -3761,7 +3767,7 @@
             <a:r>
               <a:rPr lang="es-AR" sz="1600" b="0" dirty="0" err="1">
                 <a:solidFill>
-                  <a:srgbClr val="CE9178"/>
+                  <a:schemeClr val="accent2"/>
                 </a:solidFill>
                 <a:effectLst/>
                 <a:latin typeface="Avenir Next LT Pro Light" panose="020B0304020202020204" pitchFamily="34" charset="0"/>
@@ -3783,7 +3789,7 @@
             <a:r>
               <a:rPr lang="es-AR" sz="1600" b="0" dirty="0" err="1">
                 <a:solidFill>
-                  <a:srgbClr val="CE9178"/>
+                  <a:schemeClr val="accent2"/>
                 </a:solidFill>
                 <a:effectLst/>
                 <a:latin typeface="Avenir Next LT Pro Light" panose="020B0304020202020204" pitchFamily="34" charset="0"/>
@@ -3845,7 +3851,7 @@
             <a:r>
               <a:rPr lang="es-AR" sz="1600" b="0" dirty="0" err="1">
                 <a:solidFill>
-                  <a:srgbClr val="CE9178"/>
+                  <a:schemeClr val="accent2"/>
                 </a:solidFill>
                 <a:effectLst/>
                 <a:latin typeface="Avenir Next LT Pro Light" panose="020B0304020202020204" pitchFamily="34" charset="0"/>
@@ -3887,7 +3893,7 @@
             <a:r>
               <a:rPr lang="es-AR" sz="1600" b="0" dirty="0" err="1">
                 <a:solidFill>
-                  <a:srgbClr val="CE9178"/>
+                  <a:schemeClr val="accent2"/>
                 </a:solidFill>
                 <a:effectLst/>
                 <a:latin typeface="Avenir Next LT Pro Light" panose="020B0304020202020204" pitchFamily="34" charset="0"/>
@@ -3909,7 +3915,7 @@
             <a:r>
               <a:rPr lang="es-AR" sz="1600" b="0" dirty="0">
                 <a:solidFill>
-                  <a:srgbClr val="CE9178"/>
+                  <a:schemeClr val="accent2"/>
                 </a:solidFill>
                 <a:effectLst/>
                 <a:latin typeface="Avenir Next LT Pro Light" panose="020B0304020202020204" pitchFamily="34" charset="0"/>
@@ -3950,7 +3956,7 @@
             <a:r>
               <a:rPr lang="es-AR" sz="1600" b="0" dirty="0">
                 <a:solidFill>
-                  <a:srgbClr val="CE9178"/>
+                  <a:schemeClr val="accent2"/>
                 </a:solidFill>
                 <a:effectLst/>
                 <a:latin typeface="Avenir Next LT Pro Light" panose="020B0304020202020204" pitchFamily="34" charset="0"/>
@@ -4026,9 +4032,48 @@
             <a:pPr algn="ctr"/>
             <a:r>
               <a:rPr lang="en-US" sz="2400" dirty="0">
-                <a:latin typeface="Avenir Next LT Pro Light" panose="020B0304020202020204" pitchFamily="34" charset="0"/>
-              </a:rPr>
-              <a:t>299 PACIENTES Y 13 FEATURES </a:t>
+                <a:solidFill>
+                  <a:schemeClr val="accent2"/>
+                </a:solidFill>
+                <a:latin typeface="Avenir Next LT Pro Light" panose="020B0304020202020204" pitchFamily="34" charset="0"/>
+              </a:rPr>
+              <a:t>299</a:t>
+            </a:r>
+            <a:r>
+              <a:rPr lang="en-US" sz="2400" dirty="0">
+                <a:latin typeface="Avenir Next LT Pro Light" panose="020B0304020202020204" pitchFamily="34" charset="0"/>
+              </a:rPr>
+              <a:t> PACIENTES </a:t>
+            </a:r>
+            <a:r>
+              <a:rPr lang="en-US" sz="2400" dirty="0">
+                <a:solidFill>
+                  <a:schemeClr val="accent2"/>
+                </a:solidFill>
+                <a:latin typeface="Avenir Next LT Pro Light" panose="020B0304020202020204" pitchFamily="34" charset="0"/>
+              </a:rPr>
+              <a:t>12</a:t>
+            </a:r>
+            <a:r>
+              <a:rPr lang="en-US" sz="2400" dirty="0">
+                <a:latin typeface="Avenir Next LT Pro Light" panose="020B0304020202020204" pitchFamily="34" charset="0"/>
+              </a:rPr>
+              <a:t> FEATURES </a:t>
+            </a:r>
+            <a:r>
+              <a:rPr lang="en-US" sz="2400" dirty="0">
+                <a:solidFill>
+                  <a:schemeClr val="accent2"/>
+                </a:solidFill>
+                <a:latin typeface="Avenir Next LT Pro Light" panose="020B0304020202020204" pitchFamily="34" charset="0"/>
+              </a:rPr>
+              <a:t>1</a:t>
+            </a:r>
+            <a:r>
+              <a:rPr lang="en-US" sz="2400" dirty="0">
+                <a:latin typeface="Avenir Next LT Pro Light" panose="020B0304020202020204" pitchFamily="34" charset="0"/>
+              </a:rPr>
+              <a:t> TARGET </a:t>
             </a:r>
             <a:endParaRPr lang="es-AR" sz="2400" dirty="0">
               <a:latin typeface="Avenir Next LT Pro Light" panose="020B0304020202020204" pitchFamily="34" charset="0"/>
@@ -4292,8 +4337,8 @@
         </p:nvSpPr>
         <p:spPr>
           <a:xfrm rot="8409726">
-            <a:off x="5696412" y="4520542"/>
-            <a:ext cx="522981" cy="243274"/>
+            <a:off x="5572956" y="4348377"/>
+            <a:ext cx="713402" cy="419753"/>
           </a:xfrm>
           <a:prstGeom prst="rightArrow">
             <a:avLst/>
@@ -4341,8 +4386,8 @@
         </p:nvSpPr>
         <p:spPr>
           <a:xfrm rot="4634830">
-            <a:off x="9245913" y="4232418"/>
-            <a:ext cx="498819" cy="256326"/>
+            <a:off x="9137242" y="4040209"/>
+            <a:ext cx="761057" cy="361711"/>
           </a:xfrm>
           <a:prstGeom prst="rightArrow">
             <a:avLst/>
@@ -4386,6 +4431,130 @@
   <p:clrMapOvr>
     <a:masterClrMapping/>
   </p:clrMapOvr>
+  <p:timing>
+    <p:tnLst>
+      <p:par>
+        <p:cTn id="1" dur="indefinite" restart="never" nodeType="tmRoot">
+          <p:childTnLst>
+            <p:seq concurrent="1" nextAc="seek">
+              <p:cTn id="2" dur="indefinite" nodeType="mainSeq">
+                <p:childTnLst>
+                  <p:par>
+                    <p:cTn id="3" fill="hold">
+                      <p:stCondLst>
+                        <p:cond delay="indefinite"/>
+                      </p:stCondLst>
+                      <p:childTnLst>
+                        <p:par>
+                          <p:cTn id="4" fill="hold">
+                            <p:stCondLst>
+                              <p:cond delay="0"/>
+                            </p:stCondLst>
+                            <p:childTnLst>
+                              <p:par>
+                                <p:cTn id="5" presetID="1" presetClass="entr" presetSubtype="0" fill="hold" grpId="0" nodeType="clickEffect">
+                                  <p:stCondLst>
+                                    <p:cond delay="0"/>
+                                  </p:stCondLst>
+                                  <p:childTnLst>
+                                    <p:set>
+                                      <p:cBhvr>
+                                        <p:cTn id="6" dur="1" fill="hold">
+                                          <p:stCondLst>
+                                            <p:cond delay="0"/>
+                                          </p:stCondLst>
+                                        </p:cTn>
+                                        <p:tgtEl>
+                                          <p:spTgt spid="19"/>
+                                        </p:tgtEl>
+                                        <p:attrNameLst>
+                                          <p:attrName>style.visibility</p:attrName>
+                                        </p:attrNameLst>
+                                      </p:cBhvr>
+                                      <p:to>
+                                        <p:strVal val="visible"/>
+                                      </p:to>
+                                    </p:set>
+                                  </p:childTnLst>
+                                </p:cTn>
+                              </p:par>
+                            </p:childTnLst>
+                          </p:cTn>
+                        </p:par>
+                      </p:childTnLst>
+                    </p:cTn>
+                  </p:par>
+                  <p:par>
+                    <p:cTn id="7" fill="hold">
+                      <p:stCondLst>
+                        <p:cond delay="indefinite"/>
+                      </p:stCondLst>
+                      <p:childTnLst>
+                        <p:par>
+                          <p:cTn id="8" fill="hold">
+                            <p:stCondLst>
+                              <p:cond delay="0"/>
+                            </p:stCondLst>
+                            <p:childTnLst>
+                              <p:par>
+                                <p:cTn id="9" presetID="1" presetClass="entr" presetSubtype="0" fill="hold" grpId="0" nodeType="clickEffect">
+                                  <p:stCondLst>
+                                    <p:cond delay="0"/>
+                                  </p:stCondLst>
+                                  <p:childTnLst>
+                                    <p:set>
+                                      <p:cBhvr>
+                                        <p:cTn id="10" dur="1" fill="hold">
+                                          <p:stCondLst>
+                                            <p:cond delay="0"/>
+                                          </p:stCondLst>
+                                        </p:cTn>
+                                        <p:tgtEl>
+                                          <p:spTgt spid="18"/>
+                                        </p:tgtEl>
+                                        <p:attrNameLst>
+                                          <p:attrName>style.visibility</p:attrName>
+                                        </p:attrNameLst>
+                                      </p:cBhvr>
+                                      <p:to>
+                                        <p:strVal val="visible"/>
+                                      </p:to>
+                                    </p:set>
+                                  </p:childTnLst>
+                                </p:cTn>
+                              </p:par>
+                            </p:childTnLst>
+                          </p:cTn>
+                        </p:par>
+                      </p:childTnLst>
+                    </p:cTn>
+                  </p:par>
+                </p:childTnLst>
+              </p:cTn>
+              <p:prevCondLst>
+                <p:cond evt="onPrev" delay="0">
+                  <p:tgtEl>
+                    <p:sldTgt/>
+                  </p:tgtEl>
+                </p:cond>
+              </p:prevCondLst>
+              <p:nextCondLst>
+                <p:cond evt="onNext" delay="0">
+                  <p:tgtEl>
+                    <p:sldTgt/>
+                  </p:tgtEl>
+                </p:cond>
+              </p:nextCondLst>
+            </p:seq>
+          </p:childTnLst>
+        </p:cTn>
+      </p:par>
+    </p:tnLst>
+    <p:bldLst>
+      <p:bldP spid="19" grpId="0" animBg="1"/>
+      <p:bldP spid="18" grpId="0" animBg="1"/>
+    </p:bldLst>
+  </p:timing>
 </p:sld>
 </file>
 
@@ -4575,7 +4744,7 @@
         <p:spPr>
           <a:xfrm>
             <a:off x="3470987" y="839756"/>
-            <a:ext cx="8721013" cy="5847755"/>
+            <a:ext cx="8721013" cy="5693866"/>
           </a:xfrm>
           <a:prstGeom prst="rect">
             <a:avLst/>
@@ -4609,10 +4778,7 @@
             <a:r>
               <a:rPr lang="en-US" sz="1600" dirty="0" err="1">
                 <a:solidFill>
-                  <a:schemeClr val="accent2">
-                    <a:lumMod val="60000"/>
-                    <a:lumOff val="40000"/>
-                  </a:schemeClr>
+                  <a:schemeClr val="accent2"/>
                 </a:solidFill>
                 <a:latin typeface="Avenir Next LT Pro Light" panose="020B0304020202020204" pitchFamily="34" charset="0"/>
               </a:rPr>
@@ -4723,349 +4889,398 @@
             </a:r>
           </a:p>
           <a:p>
+            <a:endParaRPr lang="en-US" sz="1600" dirty="0">
+              <a:solidFill>
+                <a:schemeClr val="accent2"/>
+              </a:solidFill>
+              <a:latin typeface="Avenir Next LT Pro Light" panose="020B0304020202020204" pitchFamily="34" charset="0"/>
+            </a:endParaRPr>
+          </a:p>
+          <a:p>
+            <a:r>
+              <a:rPr lang="en-US" sz="1600" dirty="0" err="1">
+                <a:solidFill>
+                  <a:schemeClr val="accent2"/>
+                </a:solidFill>
+                <a:latin typeface="Avenir Next LT Pro Light" panose="020B0304020202020204" pitchFamily="34" charset="0"/>
+              </a:rPr>
+              <a:t>ejection_fraction</a:t>
+            </a:r>
+            <a:r>
+              <a:rPr lang="en-US" sz="1600" dirty="0" err="1">
+                <a:latin typeface="Avenir Next LT Pro Light" panose="020B0304020202020204" pitchFamily="34" charset="0"/>
+              </a:rPr>
+              <a:t>.mean</a:t>
+            </a:r>
+            <a:r>
+              <a:rPr lang="en-US" sz="1600" dirty="0">
+                <a:latin typeface="Avenir Next LT Pro Light" panose="020B0304020202020204" pitchFamily="34" charset="0"/>
+              </a:rPr>
+              <a:t>() = 38 </a:t>
+            </a:r>
+            <a:r>
+              <a:rPr lang="en-US" sz="1600" dirty="0">
+                <a:solidFill>
+                  <a:schemeClr val="accent6"/>
+                </a:solidFill>
+                <a:latin typeface="Avenir Next LT Pro Light" panose="020B0304020202020204" pitchFamily="34" charset="0"/>
+              </a:rPr>
+              <a:t>vs. </a:t>
+            </a:r>
+            <a:r>
+              <a:rPr lang="en-US" sz="1600" dirty="0">
+                <a:latin typeface="Avenir Next LT Pro Light" panose="020B0304020202020204" pitchFamily="34" charset="0"/>
+              </a:rPr>
+              <a:t>41% </a:t>
+            </a:r>
+            <a:r>
+              <a:rPr lang="en-US" sz="1600" dirty="0" err="1">
+                <a:latin typeface="Avenir Next LT Pro Light" panose="020B0304020202020204" pitchFamily="34" charset="0"/>
+              </a:rPr>
+              <a:t>como</a:t>
+            </a:r>
+            <a:r>
+              <a:rPr lang="en-US" sz="1600" dirty="0">
+                <a:latin typeface="Avenir Next LT Pro Light" panose="020B0304020202020204" pitchFamily="34" charset="0"/>
+              </a:rPr>
+              <a:t> </a:t>
+            </a:r>
+            <a:r>
+              <a:rPr lang="en-US" sz="1600" dirty="0" err="1">
+                <a:latin typeface="Avenir Next LT Pro Light" panose="020B0304020202020204" pitchFamily="34" charset="0"/>
+              </a:rPr>
+              <a:t>mínimo</a:t>
+            </a:r>
+            <a:r>
+              <a:rPr lang="en-US" sz="1600" dirty="0">
+                <a:latin typeface="Avenir Next LT Pro Light" panose="020B0304020202020204" pitchFamily="34" charset="0"/>
+              </a:rPr>
+              <a:t> </a:t>
+            </a:r>
+            <a:r>
+              <a:rPr lang="en-US" sz="1600" dirty="0" err="1">
+                <a:latin typeface="Avenir Next LT Pro Light" panose="020B0304020202020204" pitchFamily="34" charset="0"/>
+              </a:rPr>
+              <a:t>crítico</a:t>
+            </a:r>
             <a:endParaRPr lang="en-US" sz="1600" dirty="0">
               <a:latin typeface="Avenir Next LT Pro Light" panose="020B0304020202020204" pitchFamily="34" charset="0"/>
             </a:endParaRPr>
           </a:p>
           <a:p>
             <a:r>
+              <a:rPr lang="en-US" sz="1600" dirty="0">
+                <a:latin typeface="Avenir Next LT Pro Light" panose="020B0304020202020204" pitchFamily="34" charset="0"/>
+              </a:rPr>
+              <a:t>	</a:t>
+            </a:r>
+          </a:p>
+          <a:p>
+            <a:r>
+              <a:rPr lang="en-US" sz="1600" dirty="0">
+                <a:latin typeface="Avenir Next LT Pro Light" panose="020B0304020202020204" pitchFamily="34" charset="0"/>
+              </a:rPr>
+              <a:t>	- La </a:t>
+            </a:r>
+            <a:r>
               <a:rPr lang="en-US" sz="1600" dirty="0" err="1">
-                <a:solidFill>
-                  <a:schemeClr val="accent2">
-                    <a:lumMod val="60000"/>
-                    <a:lumOff val="40000"/>
-                  </a:schemeClr>
-                </a:solidFill>
-                <a:latin typeface="Avenir Next LT Pro Light" panose="020B0304020202020204" pitchFamily="34" charset="0"/>
-              </a:rPr>
-              <a:t>ejection_fraction</a:t>
+                <a:latin typeface="Avenir Next LT Pro Light" panose="020B0304020202020204" pitchFamily="34" charset="0"/>
+              </a:rPr>
+              <a:t>disminución</a:t>
+            </a:r>
+            <a:r>
+              <a:rPr lang="en-US" sz="1600" dirty="0">
+                <a:latin typeface="Avenir Next LT Pro Light" panose="020B0304020202020204" pitchFamily="34" charset="0"/>
+              </a:rPr>
+              <a:t> </a:t>
             </a:r>
             <a:r>
               <a:rPr lang="en-US" sz="1600" dirty="0" err="1">
                 <a:latin typeface="Avenir Next LT Pro Light" panose="020B0304020202020204" pitchFamily="34" charset="0"/>
               </a:rPr>
-              <a:t>.mean</a:t>
+              <a:t>puede</a:t>
             </a:r>
             <a:r>
               <a:rPr lang="en-US" sz="1600" dirty="0">
                 <a:latin typeface="Avenir Next LT Pro Light" panose="020B0304020202020204" pitchFamily="34" charset="0"/>
               </a:rPr>
-              <a:t>() = 38 </a:t>
+              <a:t> </a:t>
+            </a:r>
+            <a:r>
+              <a:rPr lang="en-US" sz="1600" dirty="0" err="1">
+                <a:latin typeface="Avenir Next LT Pro Light" panose="020B0304020202020204" pitchFamily="34" charset="0"/>
+              </a:rPr>
+              <a:t>deberse</a:t>
             </a:r>
             <a:r>
               <a:rPr lang="en-US" sz="1600" dirty="0">
-                <a:solidFill>
-                  <a:schemeClr val="accent6"/>
-                </a:solidFill>
-                <a:latin typeface="Avenir Next LT Pro Light" panose="020B0304020202020204" pitchFamily="34" charset="0"/>
-              </a:rPr>
-              <a:t>vs. </a:t>
-            </a:r>
-            <a:r>
-              <a:rPr lang="en-US" sz="1600" dirty="0">
-                <a:latin typeface="Avenir Next LT Pro Light" panose="020B0304020202020204" pitchFamily="34" charset="0"/>
-              </a:rPr>
-              <a:t>41% </a:t>
+                <a:latin typeface="Avenir Next LT Pro Light" panose="020B0304020202020204" pitchFamily="34" charset="0"/>
+              </a:rPr>
+              <a:t> a un AC o Alta </a:t>
             </a:r>
             <a:r>
               <a:rPr lang="en-US" sz="1600" dirty="0" err="1">
                 <a:latin typeface="Avenir Next LT Pro Light" panose="020B0304020202020204" pitchFamily="34" charset="0"/>
               </a:rPr>
-              <a:t>como</a:t>
-            </a:r>
-            <a:r>
-              <a:rPr lang="en-US" sz="1600" dirty="0">
-                <a:latin typeface="Avenir Next LT Pro Light" panose="020B0304020202020204" pitchFamily="34" charset="0"/>
-              </a:rPr>
-              <a:t> </a:t>
-            </a:r>
-            <a:r>
-              <a:rPr lang="en-US" sz="1600" dirty="0" err="1">
-                <a:latin typeface="Avenir Next LT Pro Light" panose="020B0304020202020204" pitchFamily="34" charset="0"/>
-              </a:rPr>
-              <a:t>mínimo</a:t>
-            </a:r>
-            <a:r>
-              <a:rPr lang="en-US" sz="1600" dirty="0">
-                <a:latin typeface="Avenir Next LT Pro Light" panose="020B0304020202020204" pitchFamily="34" charset="0"/>
-              </a:rPr>
-              <a:t> </a:t>
-            </a:r>
-            <a:r>
-              <a:rPr lang="en-US" sz="1600" dirty="0" err="1">
-                <a:latin typeface="Avenir Next LT Pro Light" panose="020B0304020202020204" pitchFamily="34" charset="0"/>
-              </a:rPr>
-              <a:t>crítico</a:t>
+              <a:t>Presión</a:t>
             </a:r>
             <a:endParaRPr lang="en-US" sz="1600" dirty="0">
               <a:latin typeface="Avenir Next LT Pro Light" panose="020B0304020202020204" pitchFamily="34" charset="0"/>
             </a:endParaRPr>
           </a:p>
           <a:p>
-            <a:r>
-              <a:rPr lang="en-US" sz="1600" dirty="0">
-                <a:latin typeface="Avenir Next LT Pro Light" panose="020B0304020202020204" pitchFamily="34" charset="0"/>
-              </a:rPr>
-              <a:t>	</a:t>
-            </a:r>
-          </a:p>
-          <a:p>
-            <a:r>
-              <a:rPr lang="en-US" sz="1600" dirty="0">
-                <a:latin typeface="Avenir Next LT Pro Light" panose="020B0304020202020204" pitchFamily="34" charset="0"/>
-              </a:rPr>
-              <a:t>	- La </a:t>
-            </a:r>
-            <a:r>
-              <a:rPr lang="en-US" sz="1600" dirty="0" err="1">
-                <a:latin typeface="Avenir Next LT Pro Light" panose="020B0304020202020204" pitchFamily="34" charset="0"/>
-              </a:rPr>
-              <a:t>disminución</a:t>
-            </a:r>
-            <a:r>
-              <a:rPr lang="en-US" sz="1600" dirty="0">
-                <a:latin typeface="Avenir Next LT Pro Light" panose="020B0304020202020204" pitchFamily="34" charset="0"/>
-              </a:rPr>
-              <a:t> </a:t>
-            </a:r>
-            <a:r>
-              <a:rPr lang="en-US" sz="1600" dirty="0" err="1">
-                <a:latin typeface="Avenir Next LT Pro Light" panose="020B0304020202020204" pitchFamily="34" charset="0"/>
-              </a:rPr>
-              <a:t>puede</a:t>
-            </a:r>
-            <a:r>
-              <a:rPr lang="en-US" sz="1600" dirty="0">
-                <a:latin typeface="Avenir Next LT Pro Light" panose="020B0304020202020204" pitchFamily="34" charset="0"/>
-              </a:rPr>
-              <a:t> </a:t>
-            </a:r>
-            <a:r>
-              <a:rPr lang="en-US" sz="1600" dirty="0" err="1">
-                <a:latin typeface="Avenir Next LT Pro Light" panose="020B0304020202020204" pitchFamily="34" charset="0"/>
-              </a:rPr>
-              <a:t>deberse</a:t>
-            </a:r>
-            <a:r>
-              <a:rPr lang="en-US" sz="1600" dirty="0">
-                <a:latin typeface="Avenir Next LT Pro Light" panose="020B0304020202020204" pitchFamily="34" charset="0"/>
-              </a:rPr>
-              <a:t> a un AC o Alta </a:t>
-            </a:r>
-            <a:r>
-              <a:rPr lang="en-US" sz="1600" dirty="0" err="1">
-                <a:latin typeface="Avenir Next LT Pro Light" panose="020B0304020202020204" pitchFamily="34" charset="0"/>
-              </a:rPr>
-              <a:t>Presión</a:t>
-            </a:r>
             <a:endParaRPr lang="en-US" sz="1600" dirty="0">
               <a:latin typeface="Avenir Next LT Pro Light" panose="020B0304020202020204" pitchFamily="34" charset="0"/>
             </a:endParaRPr>
           </a:p>
           <a:p>
+            <a:r>
+              <a:rPr lang="en-US" sz="1600" dirty="0" err="1">
+                <a:solidFill>
+                  <a:schemeClr val="accent2"/>
+                </a:solidFill>
+                <a:latin typeface="Avenir Next LT Pro Light" panose="020B0304020202020204" pitchFamily="34" charset="0"/>
+              </a:rPr>
+              <a:t>serum_creatinine</a:t>
+            </a:r>
+            <a:r>
+              <a:rPr lang="en-US" sz="1600" dirty="0" err="1">
+                <a:latin typeface="Avenir Next LT Pro Light" panose="020B0304020202020204" pitchFamily="34" charset="0"/>
+              </a:rPr>
+              <a:t>.mean</a:t>
+            </a:r>
+            <a:r>
+              <a:rPr lang="en-US" sz="1600" dirty="0">
+                <a:latin typeface="Avenir Next LT Pro Light" panose="020B0304020202020204" pitchFamily="34" charset="0"/>
+              </a:rPr>
+              <a:t>() = 1.4 </a:t>
+            </a:r>
+            <a:r>
+              <a:rPr lang="en-US" sz="1600" dirty="0">
+                <a:solidFill>
+                  <a:schemeClr val="accent6"/>
+                </a:solidFill>
+                <a:latin typeface="Avenir Next LT Pro Light" panose="020B0304020202020204" pitchFamily="34" charset="0"/>
+              </a:rPr>
+              <a:t>vs. </a:t>
+            </a:r>
+            <a:r>
+              <a:rPr lang="en-US" sz="1600" dirty="0">
+                <a:latin typeface="Avenir Next LT Pro Light" panose="020B0304020202020204" pitchFamily="34" charset="0"/>
+              </a:rPr>
+              <a:t>1.3(H) y 1.38 </a:t>
+            </a:r>
+            <a:r>
+              <a:rPr lang="en-US" sz="1600" dirty="0">
+                <a:solidFill>
+                  <a:schemeClr val="accent6"/>
+                </a:solidFill>
+                <a:latin typeface="Avenir Next LT Pro Light" panose="020B0304020202020204" pitchFamily="34" charset="0"/>
+              </a:rPr>
+              <a:t>vs. </a:t>
+            </a:r>
+            <a:r>
+              <a:rPr lang="en-US" sz="1600" dirty="0">
+                <a:latin typeface="Avenir Next LT Pro Light" panose="020B0304020202020204" pitchFamily="34" charset="0"/>
+              </a:rPr>
+              <a:t>1.1mg/dL(M) ó </a:t>
+            </a:r>
+            <a:r>
+              <a:rPr lang="en-US" sz="1600" dirty="0" err="1">
+                <a:latin typeface="Avenir Next LT Pro Light" panose="020B0304020202020204" pitchFamily="34" charset="0"/>
+              </a:rPr>
+              <a:t>como</a:t>
+            </a:r>
+            <a:r>
+              <a:rPr lang="en-US" sz="1600" dirty="0">
+                <a:latin typeface="Avenir Next LT Pro Light" panose="020B0304020202020204" pitchFamily="34" charset="0"/>
+              </a:rPr>
+              <a:t> </a:t>
+            </a:r>
+            <a:r>
+              <a:rPr lang="en-US" sz="1600" dirty="0" err="1">
+                <a:latin typeface="Avenir Next LT Pro Light" panose="020B0304020202020204" pitchFamily="34" charset="0"/>
+              </a:rPr>
+              <a:t>máximo</a:t>
+            </a:r>
+            <a:r>
+              <a:rPr lang="en-US" sz="1600" dirty="0">
+                <a:latin typeface="Avenir Next LT Pro Light" panose="020B0304020202020204" pitchFamily="34" charset="0"/>
+              </a:rPr>
+              <a:t> normal</a:t>
+            </a:r>
+          </a:p>
+          <a:p>
             <a:endParaRPr lang="en-US" sz="1600" dirty="0">
               <a:latin typeface="Avenir Next LT Pro Light" panose="020B0304020202020204" pitchFamily="34" charset="0"/>
             </a:endParaRPr>
           </a:p>
           <a:p>
             <a:r>
+              <a:rPr lang="en-US" sz="1600" dirty="0">
+                <a:latin typeface="Avenir Next LT Pro Light" panose="020B0304020202020204" pitchFamily="34" charset="0"/>
+              </a:rPr>
+              <a:t>	- </a:t>
+            </a:r>
+            <a:r>
               <a:rPr lang="en-US" sz="1600" dirty="0" err="1">
-                <a:solidFill>
-                  <a:schemeClr val="accent2">
-                    <a:lumMod val="60000"/>
-                    <a:lumOff val="40000"/>
-                  </a:schemeClr>
-                </a:solidFill>
-                <a:latin typeface="Avenir Next LT Pro Light" panose="020B0304020202020204" pitchFamily="34" charset="0"/>
-              </a:rPr>
-              <a:t>serum_creatinine</a:t>
+                <a:latin typeface="Avenir Next LT Pro Light" panose="020B0304020202020204" pitchFamily="34" charset="0"/>
+              </a:rPr>
+              <a:t>Valores</a:t>
+            </a:r>
+            <a:r>
+              <a:rPr lang="en-US" sz="1600" dirty="0">
+                <a:latin typeface="Avenir Next LT Pro Light" panose="020B0304020202020204" pitchFamily="34" charset="0"/>
+              </a:rPr>
+              <a:t> altos </a:t>
             </a:r>
             <a:r>
               <a:rPr lang="en-US" sz="1600" dirty="0" err="1">
                 <a:latin typeface="Avenir Next LT Pro Light" panose="020B0304020202020204" pitchFamily="34" charset="0"/>
               </a:rPr>
-              <a:t>.mean</a:t>
+              <a:t>indican</a:t>
             </a:r>
             <a:r>
               <a:rPr lang="en-US" sz="1600" dirty="0">
                 <a:latin typeface="Avenir Next LT Pro Light" panose="020B0304020202020204" pitchFamily="34" charset="0"/>
               </a:rPr>
-              <a:t>() = 1.4 </a:t>
+              <a:t> </a:t>
+            </a:r>
+            <a:r>
+              <a:rPr lang="en-US" sz="1600" dirty="0" err="1">
+                <a:latin typeface="Avenir Next LT Pro Light" panose="020B0304020202020204" pitchFamily="34" charset="0"/>
+              </a:rPr>
+              <a:t>problemas</a:t>
             </a:r>
             <a:r>
               <a:rPr lang="en-US" sz="1600" dirty="0">
-                <a:solidFill>
-                  <a:schemeClr val="accent6"/>
-                </a:solidFill>
-                <a:latin typeface="Avenir Next LT Pro Light" panose="020B0304020202020204" pitchFamily="34" charset="0"/>
-              </a:rPr>
-              <a:t>vs. </a:t>
+                <a:latin typeface="Avenir Next LT Pro Light" panose="020B0304020202020204" pitchFamily="34" charset="0"/>
+              </a:rPr>
+              <a:t> </a:t>
+            </a:r>
+            <a:r>
+              <a:rPr lang="en-US" sz="1600" dirty="0" err="1">
+                <a:latin typeface="Avenir Next LT Pro Light" panose="020B0304020202020204" pitchFamily="34" charset="0"/>
+              </a:rPr>
+              <a:t>renales</a:t>
             </a:r>
             <a:r>
               <a:rPr lang="en-US" sz="1600" dirty="0">
                 <a:latin typeface="Avenir Next LT Pro Light" panose="020B0304020202020204" pitchFamily="34" charset="0"/>
               </a:rPr>
-              <a:t>1.3(H) y 1.38 </a:t>
+              <a:t>, </a:t>
+            </a:r>
+            <a:r>
+              <a:rPr lang="en-US" sz="1600" dirty="0" err="1">
+                <a:latin typeface="Avenir Next LT Pro Light" panose="020B0304020202020204" pitchFamily="34" charset="0"/>
+              </a:rPr>
+              <a:t>muy</a:t>
             </a:r>
             <a:r>
               <a:rPr lang="en-US" sz="1600" dirty="0">
-                <a:solidFill>
-                  <a:schemeClr val="accent6"/>
-                </a:solidFill>
-                <a:latin typeface="Avenir Next LT Pro Light" panose="020B0304020202020204" pitchFamily="34" charset="0"/>
-              </a:rPr>
-              <a:t>vs. </a:t>
+                <a:latin typeface="Avenir Next LT Pro Light" panose="020B0304020202020204" pitchFamily="34" charset="0"/>
+              </a:rPr>
+              <a:t> </a:t>
+            </a:r>
+            <a:r>
+              <a:rPr lang="en-US" sz="1600" dirty="0" err="1">
+                <a:latin typeface="Avenir Next LT Pro Light" panose="020B0304020202020204" pitchFamily="34" charset="0"/>
+              </a:rPr>
+              <a:t>relacionado</a:t>
             </a:r>
             <a:r>
               <a:rPr lang="en-US" sz="1600" dirty="0">
                 <a:latin typeface="Avenir Next LT Pro Light" panose="020B0304020202020204" pitchFamily="34" charset="0"/>
               </a:rPr>
-              <a:t>1.1mg/dL(M) ó </a:t>
+              <a:t> con la </a:t>
             </a:r>
             <a:r>
               <a:rPr lang="en-US" sz="1600" dirty="0" err="1">
                 <a:latin typeface="Avenir Next LT Pro Light" panose="020B0304020202020204" pitchFamily="34" charset="0"/>
               </a:rPr>
-              <a:t>como</a:t>
+              <a:t>presión</a:t>
             </a:r>
             <a:r>
               <a:rPr lang="en-US" sz="1600" dirty="0">
                 <a:latin typeface="Avenir Next LT Pro Light" panose="020B0304020202020204" pitchFamily="34" charset="0"/>
               </a:rPr>
+              <a:t> y </a:t>
+            </a:r>
+            <a:r>
+              <a:rPr lang="en-US" sz="1600" dirty="0" err="1">
+                <a:latin typeface="Avenir Next LT Pro Light" panose="020B0304020202020204" pitchFamily="34" charset="0"/>
+              </a:rPr>
+              <a:t>el</a:t>
+            </a:r>
+            <a:r>
+              <a:rPr lang="en-US" sz="1600" dirty="0">
+                <a:latin typeface="Avenir Next LT Pro Light" panose="020B0304020202020204" pitchFamily="34" charset="0"/>
+              </a:rPr>
               <a:t> </a:t>
             </a:r>
             <a:r>
               <a:rPr lang="en-US" sz="1600" dirty="0" err="1">
                 <a:latin typeface="Avenir Next LT Pro Light" panose="020B0304020202020204" pitchFamily="34" charset="0"/>
               </a:rPr>
-              <a:t>máximo</a:t>
-            </a:r>
-            <a:r>
-              <a:rPr lang="en-US" sz="1600" dirty="0">
-                <a:latin typeface="Avenir Next LT Pro Light" panose="020B0304020202020204" pitchFamily="34" charset="0"/>
-              </a:rPr>
-              <a:t> normal</a:t>
-            </a:r>
-          </a:p>
-          <a:p>
+              <a:t>corazón</a:t>
+            </a:r>
             <a:endParaRPr lang="en-US" sz="1600" dirty="0">
               <a:latin typeface="Avenir Next LT Pro Light" panose="020B0304020202020204" pitchFamily="34" charset="0"/>
             </a:endParaRPr>
           </a:p>
           <a:p>
-            <a:r>
-              <a:rPr lang="en-US" sz="1600" dirty="0">
-                <a:latin typeface="Avenir Next LT Pro Light" panose="020B0304020202020204" pitchFamily="34" charset="0"/>
-              </a:rPr>
-              <a:t>	- </a:t>
-            </a:r>
-            <a:r>
-              <a:rPr lang="en-US" sz="1600" dirty="0" err="1">
-                <a:latin typeface="Avenir Next LT Pro Light" panose="020B0304020202020204" pitchFamily="34" charset="0"/>
-              </a:rPr>
-              <a:t>Valores</a:t>
-            </a:r>
-            <a:r>
-              <a:rPr lang="en-US" sz="1600" dirty="0">
-                <a:latin typeface="Avenir Next LT Pro Light" panose="020B0304020202020204" pitchFamily="34" charset="0"/>
-              </a:rPr>
-              <a:t> altos </a:t>
-            </a:r>
-            <a:r>
-              <a:rPr lang="en-US" sz="1600" dirty="0" err="1">
-                <a:latin typeface="Avenir Next LT Pro Light" panose="020B0304020202020204" pitchFamily="34" charset="0"/>
-              </a:rPr>
-              <a:t>indican</a:t>
-            </a:r>
-            <a:r>
-              <a:rPr lang="en-US" sz="1600" dirty="0">
-                <a:latin typeface="Avenir Next LT Pro Light" panose="020B0304020202020204" pitchFamily="34" charset="0"/>
-              </a:rPr>
-              <a:t> </a:t>
-            </a:r>
-            <a:r>
-              <a:rPr lang="en-US" sz="1600" dirty="0" err="1">
-                <a:latin typeface="Avenir Next LT Pro Light" panose="020B0304020202020204" pitchFamily="34" charset="0"/>
-              </a:rPr>
-              <a:t>problemas</a:t>
-            </a:r>
-            <a:r>
-              <a:rPr lang="en-US" sz="1600" dirty="0">
-                <a:latin typeface="Avenir Next LT Pro Light" panose="020B0304020202020204" pitchFamily="34" charset="0"/>
-              </a:rPr>
-              <a:t> </a:t>
-            </a:r>
-            <a:r>
-              <a:rPr lang="en-US" sz="1600" dirty="0" err="1">
-                <a:latin typeface="Avenir Next LT Pro Light" panose="020B0304020202020204" pitchFamily="34" charset="0"/>
-              </a:rPr>
-              <a:t>renales</a:t>
-            </a:r>
-            <a:r>
-              <a:rPr lang="en-US" sz="1600" dirty="0">
-                <a:latin typeface="Avenir Next LT Pro Light" panose="020B0304020202020204" pitchFamily="34" charset="0"/>
-              </a:rPr>
-              <a:t>, </a:t>
-            </a:r>
-            <a:r>
-              <a:rPr lang="en-US" sz="1600" dirty="0" err="1">
-                <a:latin typeface="Avenir Next LT Pro Light" panose="020B0304020202020204" pitchFamily="34" charset="0"/>
-              </a:rPr>
-              <a:t>muy</a:t>
-            </a:r>
-            <a:r>
-              <a:rPr lang="en-US" sz="1600" dirty="0">
-                <a:latin typeface="Avenir Next LT Pro Light" panose="020B0304020202020204" pitchFamily="34" charset="0"/>
-              </a:rPr>
-              <a:t> </a:t>
-            </a:r>
-            <a:r>
-              <a:rPr lang="en-US" sz="1600" dirty="0" err="1">
-                <a:latin typeface="Avenir Next LT Pro Light" panose="020B0304020202020204" pitchFamily="34" charset="0"/>
-              </a:rPr>
-              <a:t>relacionado</a:t>
-            </a:r>
-            <a:r>
-              <a:rPr lang="en-US" sz="1600" dirty="0">
-                <a:latin typeface="Avenir Next LT Pro Light" panose="020B0304020202020204" pitchFamily="34" charset="0"/>
-              </a:rPr>
-              <a:t> con la </a:t>
-            </a:r>
-            <a:r>
-              <a:rPr lang="en-US" sz="1600" dirty="0" err="1">
-                <a:latin typeface="Avenir Next LT Pro Light" panose="020B0304020202020204" pitchFamily="34" charset="0"/>
-              </a:rPr>
-              <a:t>presión</a:t>
-            </a:r>
-            <a:r>
-              <a:rPr lang="en-US" sz="1600" dirty="0">
-                <a:latin typeface="Avenir Next LT Pro Light" panose="020B0304020202020204" pitchFamily="34" charset="0"/>
-              </a:rPr>
-              <a:t> y </a:t>
-            </a:r>
-            <a:r>
-              <a:rPr lang="en-US" sz="1600" dirty="0" err="1">
-                <a:latin typeface="Avenir Next LT Pro Light" panose="020B0304020202020204" pitchFamily="34" charset="0"/>
-              </a:rPr>
-              <a:t>el</a:t>
-            </a:r>
-            <a:r>
-              <a:rPr lang="en-US" sz="1600" dirty="0">
-                <a:latin typeface="Avenir Next LT Pro Light" panose="020B0304020202020204" pitchFamily="34" charset="0"/>
-              </a:rPr>
-              <a:t> </a:t>
-            </a:r>
-            <a:r>
-              <a:rPr lang="en-US" sz="1600" dirty="0" err="1">
-                <a:latin typeface="Avenir Next LT Pro Light" panose="020B0304020202020204" pitchFamily="34" charset="0"/>
-              </a:rPr>
-              <a:t>corazón</a:t>
-            </a:r>
             <a:endParaRPr lang="en-US" sz="1600" dirty="0">
               <a:latin typeface="Avenir Next LT Pro Light" panose="020B0304020202020204" pitchFamily="34" charset="0"/>
             </a:endParaRPr>
           </a:p>
           <a:p>
+            <a:r>
+              <a:rPr lang="en-US" sz="1600" dirty="0" err="1">
+                <a:solidFill>
+                  <a:schemeClr val="accent2"/>
+                </a:solidFill>
+                <a:latin typeface="Avenir Next LT Pro Light" panose="020B0304020202020204" pitchFamily="34" charset="0"/>
+              </a:rPr>
+              <a:t>serum_sodium</a:t>
+            </a:r>
+            <a:r>
+              <a:rPr lang="en-US" sz="1600" dirty="0" err="1">
+                <a:latin typeface="Avenir Next LT Pro Light" panose="020B0304020202020204" pitchFamily="34" charset="0"/>
+              </a:rPr>
+              <a:t>.mean</a:t>
+            </a:r>
+            <a:r>
+              <a:rPr lang="en-US" sz="1600" dirty="0">
+                <a:latin typeface="Avenir Next LT Pro Light" panose="020B0304020202020204" pitchFamily="34" charset="0"/>
+              </a:rPr>
+              <a:t>() = 136.7 dentro de los </a:t>
+            </a:r>
+            <a:r>
+              <a:rPr lang="en-US" sz="1600" dirty="0" err="1">
+                <a:latin typeface="Avenir Next LT Pro Light" panose="020B0304020202020204" pitchFamily="34" charset="0"/>
+              </a:rPr>
+              <a:t>valores</a:t>
+            </a:r>
+            <a:r>
+              <a:rPr lang="en-US" sz="1600" dirty="0">
+                <a:latin typeface="Avenir Next LT Pro Light" panose="020B0304020202020204" pitchFamily="34" charset="0"/>
+              </a:rPr>
+              <a:t> </a:t>
+            </a:r>
+            <a:r>
+              <a:rPr lang="en-US" sz="1600" dirty="0" err="1">
+                <a:latin typeface="Avenir Next LT Pro Light" panose="020B0304020202020204" pitchFamily="34" charset="0"/>
+              </a:rPr>
+              <a:t>normales</a:t>
+            </a:r>
+            <a:r>
+              <a:rPr lang="en-US" sz="1600" dirty="0">
+                <a:latin typeface="Avenir Next LT Pro Light" panose="020B0304020202020204" pitchFamily="34" charset="0"/>
+              </a:rPr>
+              <a:t> 135-140mEq/L</a:t>
+            </a:r>
+          </a:p>
+          <a:p>
             <a:endParaRPr lang="en-US" sz="1600" dirty="0">
               <a:latin typeface="Avenir Next LT Pro Light" panose="020B0304020202020204" pitchFamily="34" charset="0"/>
             </a:endParaRPr>
@@ -5074,14 +5289,11 @@
             <a:r>
               <a:rPr lang="en-US" sz="1600" dirty="0" err="1">
                 <a:solidFill>
-                  <a:schemeClr val="accent2">
-                    <a:lumMod val="60000"/>
-                    <a:lumOff val="40000"/>
-                  </a:schemeClr>
-                </a:solidFill>
-                <a:latin typeface="Avenir Next LT Pro Light" panose="020B0304020202020204" pitchFamily="34" charset="0"/>
-              </a:rPr>
-              <a:t>serum_sodium</a:t>
+                  <a:schemeClr val="accent2"/>
+                </a:solidFill>
+                <a:latin typeface="Avenir Next LT Pro Light" panose="020B0304020202020204" pitchFamily="34" charset="0"/>
+              </a:rPr>
+              <a:t>platelets</a:t>
             </a:r>
             <a:r>
               <a:rPr lang="en-US" sz="1600" dirty="0" err="1">
@@ -5093,13 +5305,28 @@
               <a:rPr lang="en-US" sz="1600" dirty="0">
                 <a:latin typeface="Avenir Next LT Pro Light" panose="020B0304020202020204" pitchFamily="34" charset="0"/>
               </a:rPr>
-              <a:t>() = 136.7 dentro de los </a:t>
+              <a:t>() = 98k </a:t>
+            </a:r>
+            <a:r>
+              <a:rPr lang="en-US" sz="1600" dirty="0">
+                <a:solidFill>
+                  <a:schemeClr val="accent6"/>
+                </a:solidFill>
+                <a:latin typeface="Avenir Next LT Pro Light" panose="020B0304020202020204" pitchFamily="34" charset="0"/>
+              </a:rPr>
+              <a:t>vs. </a:t>
+            </a:r>
+            <a:r>
+              <a:rPr lang="en-US" sz="1600" dirty="0">
+                <a:latin typeface="Avenir Next LT Pro Light" panose="020B0304020202020204" pitchFamily="34" charset="0"/>
+              </a:rPr>
+              <a:t>150k/mL </a:t>
             </a:r>
             <a:r>
               <a:rPr lang="en-US" sz="1600" dirty="0" err="1">
                 <a:latin typeface="Avenir Next LT Pro Light" panose="020B0304020202020204" pitchFamily="34" charset="0"/>
               </a:rPr>
-              <a:t>valores</a:t>
+              <a:t>como</a:t>
             </a:r>
             <a:r>
               <a:rPr lang="en-US" sz="1600" dirty="0">
@@ -5111,13 +5338,13 @@
               <a:rPr lang="en-US" sz="1600" dirty="0" err="1">
                 <a:latin typeface="Avenir Next LT Pro Light" panose="020B0304020202020204" pitchFamily="34" charset="0"/>
               </a:rPr>
-              <a:t>normales</a:t>
+              <a:t>mínimo</a:t>
             </a:r>
             <a:r>
               <a:rPr lang="en-US" sz="1600" dirty="0">
                 <a:latin typeface="Avenir Next LT Pro Light" panose="020B0304020202020204" pitchFamily="34" charset="0"/>
               </a:rPr>
-              <a:t> 135-140mEq/L</a:t>
+              <a:t> normal</a:t>
             </a:r>
           </a:p>
           <a:p>
@@ -5126,196 +5353,121 @@
             </a:endParaRPr>
           </a:p>
           <a:p>
-            <a:r>
-              <a:rPr lang="en-US" sz="1600" dirty="0" err="1">
-                <a:solidFill>
-                  <a:schemeClr val="accent2">
-                    <a:lumMod val="60000"/>
-                    <a:lumOff val="40000"/>
-                  </a:schemeClr>
-                </a:solidFill>
-                <a:latin typeface="Avenir Next LT Pro Light" panose="020B0304020202020204" pitchFamily="34" charset="0"/>
-              </a:rPr>
-              <a:t>platelets</a:t>
-            </a:r>
-            <a:r>
-              <a:rPr lang="en-US" sz="1600" dirty="0" err="1">
-                <a:latin typeface="Avenir Next LT Pro Light" panose="020B0304020202020204" pitchFamily="34" charset="0"/>
-              </a:rPr>
-              <a:t>.mean</a:t>
-            </a:r>
-            <a:r>
-              <a:rPr lang="en-US" sz="1600" dirty="0">
-                <a:latin typeface="Avenir Next LT Pro Light" panose="020B0304020202020204" pitchFamily="34" charset="0"/>
-              </a:rPr>
-              <a:t>() = 98k </a:t>
-            </a:r>
-            <a:r>
-              <a:rPr lang="en-US" sz="1600" dirty="0">
-                <a:solidFill>
-                  <a:schemeClr val="accent6"/>
-                </a:solidFill>
-                <a:latin typeface="Avenir Next LT Pro Light" panose="020B0304020202020204" pitchFamily="34" charset="0"/>
-              </a:rPr>
-              <a:t>vs. </a:t>
-            </a:r>
-            <a:r>
-              <a:rPr lang="en-US" sz="1600" dirty="0">
-                <a:latin typeface="Avenir Next LT Pro Light" panose="020B0304020202020204" pitchFamily="34" charset="0"/>
-              </a:rPr>
-              <a:t>150k/mL </a:t>
-            </a:r>
-            <a:r>
-              <a:rPr lang="en-US" sz="1600" dirty="0" err="1">
-                <a:latin typeface="Avenir Next LT Pro Light" panose="020B0304020202020204" pitchFamily="34" charset="0"/>
-              </a:rPr>
-              <a:t>como</a:t>
-            </a:r>
-            <a:r>
-              <a:rPr lang="en-US" sz="1600" dirty="0">
-                <a:latin typeface="Avenir Next LT Pro Light" panose="020B0304020202020204" pitchFamily="34" charset="0"/>
-              </a:rPr>
-              <a:t> </a:t>
-            </a:r>
-            <a:r>
-              <a:rPr lang="en-US" sz="1600" dirty="0" err="1">
-                <a:latin typeface="Avenir Next LT Pro Light" panose="020B0304020202020204" pitchFamily="34" charset="0"/>
-              </a:rPr>
-              <a:t>mínimo</a:t>
-            </a:r>
-            <a:r>
-              <a:rPr lang="en-US" sz="1600" dirty="0">
-                <a:latin typeface="Avenir Next LT Pro Light" panose="020B0304020202020204" pitchFamily="34" charset="0"/>
-              </a:rPr>
-              <a:t> normal</a:t>
-            </a:r>
-          </a:p>
-          <a:p>
-            <a:endParaRPr lang="en-US" sz="1600" dirty="0">
+            <a:endParaRPr lang="en-US" sz="2000" dirty="0">
               <a:latin typeface="Avenir Next LT Pro Light" panose="020B0304020202020204" pitchFamily="34" charset="0"/>
             </a:endParaRPr>
           </a:p>
           <a:p>
-            <a:endParaRPr lang="en-US" sz="1600" dirty="0">
-              <a:latin typeface="Avenir Next LT Pro Light" panose="020B0304020202020204" pitchFamily="34" charset="0"/>
-            </a:endParaRPr>
-          </a:p>
-          <a:p>
-            <a:endParaRPr lang="en-US" dirty="0">
-              <a:latin typeface="Avenir Next LT Pro Light" panose="020B0304020202020204" pitchFamily="34" charset="0"/>
-            </a:endParaRPr>
-          </a:p>
-          <a:p>
             <a:pPr algn="ctr"/>
             <a:r>
-              <a:rPr lang="en-US" dirty="0" err="1">
+              <a:rPr lang="en-US" sz="2000" dirty="0" err="1">
                 <a:latin typeface="Avenir Next LT Pro Light" panose="020B0304020202020204" pitchFamily="34" charset="0"/>
               </a:rPr>
               <a:t>En</a:t>
             </a:r>
             <a:r>
-              <a:rPr lang="en-US" dirty="0">
+              <a:rPr lang="en-US" sz="2000" dirty="0">
                 <a:latin typeface="Avenir Next LT Pro Light" panose="020B0304020202020204" pitchFamily="34" charset="0"/>
               </a:rPr>
               <a:t> general, los </a:t>
             </a:r>
             <a:r>
-              <a:rPr lang="en-US" dirty="0" err="1">
+              <a:rPr lang="en-US" sz="2000" dirty="0" err="1">
                 <a:latin typeface="Avenir Next LT Pro Light" panose="020B0304020202020204" pitchFamily="34" charset="0"/>
               </a:rPr>
               <a:t>valores</a:t>
             </a:r>
             <a:r>
-              <a:rPr lang="en-US" dirty="0">
+              <a:rPr lang="en-US" sz="2000" dirty="0">
                 <a:latin typeface="Avenir Next LT Pro Light" panose="020B0304020202020204" pitchFamily="34" charset="0"/>
               </a:rPr>
               <a:t> </a:t>
             </a:r>
             <a:r>
-              <a:rPr lang="en-US" dirty="0" err="1">
+              <a:rPr lang="en-US" sz="2000" dirty="0" err="1">
                 <a:latin typeface="Avenir Next LT Pro Light" panose="020B0304020202020204" pitchFamily="34" charset="0"/>
               </a:rPr>
               <a:t>están</a:t>
             </a:r>
             <a:r>
-              <a:rPr lang="en-US" dirty="0">
+              <a:rPr lang="en-US" sz="2000" dirty="0">
                 <a:latin typeface="Avenir Next LT Pro Light" panose="020B0304020202020204" pitchFamily="34" charset="0"/>
               </a:rPr>
               <a:t> por </a:t>
             </a:r>
             <a:r>
-              <a:rPr lang="en-US" dirty="0" err="1">
+              <a:rPr lang="en-US" sz="2000" dirty="0" err="1">
                 <a:latin typeface="Avenir Next LT Pro Light" panose="020B0304020202020204" pitchFamily="34" charset="0"/>
               </a:rPr>
               <a:t>fuera</a:t>
             </a:r>
             <a:r>
-              <a:rPr lang="en-US" dirty="0">
+              <a:rPr lang="en-US" sz="2000" dirty="0">
                 <a:latin typeface="Avenir Next LT Pro Light" panose="020B0304020202020204" pitchFamily="34" charset="0"/>
               </a:rPr>
               <a:t> de lo normal lo que indica que los </a:t>
             </a:r>
             <a:r>
-              <a:rPr lang="en-US" dirty="0" err="1">
+              <a:rPr lang="en-US" sz="2000" dirty="0" err="1">
                 <a:latin typeface="Avenir Next LT Pro Light" panose="020B0304020202020204" pitchFamily="34" charset="0"/>
               </a:rPr>
               <a:t>pacientes</a:t>
             </a:r>
             <a:r>
-              <a:rPr lang="en-US" dirty="0">
+              <a:rPr lang="en-US" sz="2000" dirty="0">
                 <a:latin typeface="Avenir Next LT Pro Light" panose="020B0304020202020204" pitchFamily="34" charset="0"/>
               </a:rPr>
               <a:t> </a:t>
             </a:r>
             <a:r>
-              <a:rPr lang="en-US" dirty="0" err="1">
+              <a:rPr lang="en-US" sz="2000" dirty="0" err="1">
                 <a:latin typeface="Avenir Next LT Pro Light" panose="020B0304020202020204" pitchFamily="34" charset="0"/>
               </a:rPr>
               <a:t>sufren</a:t>
             </a:r>
             <a:r>
-              <a:rPr lang="en-US" dirty="0">
+              <a:rPr lang="en-US" sz="2000" dirty="0">
                 <a:latin typeface="Avenir Next LT Pro Light" panose="020B0304020202020204" pitchFamily="34" charset="0"/>
               </a:rPr>
               <a:t> </a:t>
             </a:r>
             <a:r>
-              <a:rPr lang="en-US" dirty="0" err="1">
+              <a:rPr lang="en-US" sz="2000" dirty="0" err="1">
                 <a:latin typeface="Avenir Next LT Pro Light" panose="020B0304020202020204" pitchFamily="34" charset="0"/>
               </a:rPr>
               <a:t>definitivamente</a:t>
             </a:r>
             <a:r>
-              <a:rPr lang="en-US" dirty="0">
+              <a:rPr lang="en-US" sz="2000" dirty="0">
                 <a:latin typeface="Avenir Next LT Pro Light" panose="020B0304020202020204" pitchFamily="34" charset="0"/>
               </a:rPr>
               <a:t> </a:t>
             </a:r>
             <a:r>
-              <a:rPr lang="en-US" dirty="0" err="1">
+              <a:rPr lang="en-US" sz="2000" dirty="0" err="1">
                 <a:latin typeface="Avenir Next LT Pro Light" panose="020B0304020202020204" pitchFamily="34" charset="0"/>
               </a:rPr>
               <a:t>complicaciones</a:t>
             </a:r>
             <a:r>
-              <a:rPr lang="en-US" dirty="0">
+              <a:rPr lang="en-US" sz="2000" dirty="0">
                 <a:latin typeface="Avenir Next LT Pro Light" panose="020B0304020202020204" pitchFamily="34" charset="0"/>
               </a:rPr>
               <a:t> </a:t>
             </a:r>
             <a:r>
-              <a:rPr lang="en-US" dirty="0" err="1">
+              <a:rPr lang="en-US" sz="2000" dirty="0" err="1">
                 <a:latin typeface="Avenir Next LT Pro Light" panose="020B0304020202020204" pitchFamily="34" charset="0"/>
               </a:rPr>
               <a:t>relacionadas</a:t>
             </a:r>
             <a:r>
-              <a:rPr lang="en-US" dirty="0">
+              <a:rPr lang="en-US" sz="2000" dirty="0">
                 <a:latin typeface="Avenir Next LT Pro Light" panose="020B0304020202020204" pitchFamily="34" charset="0"/>
               </a:rPr>
               <a:t>.</a:t>
             </a:r>
-            <a:endParaRPr lang="es-AR" dirty="0">
+            <a:endParaRPr lang="es-AR" sz="2000" dirty="0">
               <a:latin typeface="Avenir Next LT Pro Light" panose="020B0304020202020204" pitchFamily="34" charset="0"/>
             </a:endParaRPr>
           </a:p>
@@ -6091,6 +6243,314 @@
   <p:clrMapOvr>
     <a:masterClrMapping/>
   </p:clrMapOvr>
+  <p:timing>
+    <p:tnLst>
+      <p:par>
+        <p:cTn id="1" dur="indefinite" restart="never" nodeType="tmRoot">
+          <p:childTnLst>
+            <p:seq concurrent="1" nextAc="seek">
+              <p:cTn id="2" dur="indefinite" nodeType="mainSeq">
+                <p:childTnLst>
+                  <p:par>
+                    <p:cTn id="3" fill="hold">
+                      <p:stCondLst>
+                        <p:cond delay="indefinite"/>
+                      </p:stCondLst>
+                      <p:childTnLst>
+                        <p:par>
+                          <p:cTn id="4" fill="hold">
+                            <p:stCondLst>
+                              <p:cond delay="0"/>
+                            </p:stCondLst>
+                            <p:childTnLst>
+                              <p:par>
+                                <p:cTn id="5" presetID="1" presetClass="entr" presetSubtype="0" fill="hold" grpId="0" nodeType="clickEffect">
+                                  <p:stCondLst>
+                                    <p:cond delay="0"/>
+                                  </p:stCondLst>
+                                  <p:childTnLst>
+                                    <p:set>
+                                      <p:cBhvr>
+                                        <p:cTn id="6" dur="1" fill="hold">
+                                          <p:stCondLst>
+                                            <p:cond delay="0"/>
+                                          </p:stCondLst>
+                                        </p:cTn>
+                                        <p:tgtEl>
+                                          <p:spTgt spid="22"/>
+                                        </p:tgtEl>
+                                        <p:attrNameLst>
+                                          <p:attrName>style.visibility</p:attrName>
+                                        </p:attrNameLst>
+                                      </p:cBhvr>
+                                      <p:to>
+                                        <p:strVal val="visible"/>
+                                      </p:to>
+                                    </p:set>
+                                  </p:childTnLst>
+                                </p:cTn>
+                              </p:par>
+                              <p:par>
+                                <p:cTn id="7" presetID="1" presetClass="entr" presetSubtype="0" fill="hold" grpId="0" nodeType="withEffect">
+                                  <p:stCondLst>
+                                    <p:cond delay="0"/>
+                                  </p:stCondLst>
+                                  <p:childTnLst>
+                                    <p:set>
+                                      <p:cBhvr>
+                                        <p:cTn id="8" dur="1" fill="hold">
+                                          <p:stCondLst>
+                                            <p:cond delay="0"/>
+                                          </p:stCondLst>
+                                        </p:cTn>
+                                        <p:tgtEl>
+                                          <p:spTgt spid="23"/>
+                                        </p:tgtEl>
+                                        <p:attrNameLst>
+                                          <p:attrName>style.visibility</p:attrName>
+                                        </p:attrNameLst>
+                                      </p:cBhvr>
+                                      <p:to>
+                                        <p:strVal val="visible"/>
+                                      </p:to>
+                                    </p:set>
+                                  </p:childTnLst>
+                                </p:cTn>
+                              </p:par>
+                              <p:par>
+                                <p:cTn id="9" presetID="1" presetClass="entr" presetSubtype="0" fill="hold" grpId="0" nodeType="withEffect">
+                                  <p:stCondLst>
+                                    <p:cond delay="0"/>
+                                  </p:stCondLst>
+                                  <p:childTnLst>
+                                    <p:set>
+                                      <p:cBhvr>
+                                        <p:cTn id="10" dur="1" fill="hold">
+                                          <p:stCondLst>
+                                            <p:cond delay="0"/>
+                                          </p:stCondLst>
+                                        </p:cTn>
+                                        <p:tgtEl>
+                                          <p:spTgt spid="24"/>
+                                        </p:tgtEl>
+                                        <p:attrNameLst>
+                                          <p:attrName>style.visibility</p:attrName>
+                                        </p:attrNameLst>
+                                      </p:cBhvr>
+                                      <p:to>
+                                        <p:strVal val="visible"/>
+                                      </p:to>
+                                    </p:set>
+                                  </p:childTnLst>
+                                </p:cTn>
+                              </p:par>
+                            </p:childTnLst>
+                          </p:cTn>
+                        </p:par>
+                      </p:childTnLst>
+                    </p:cTn>
+                  </p:par>
+                  <p:par>
+                    <p:cTn id="11" fill="hold">
+                      <p:stCondLst>
+                        <p:cond delay="indefinite"/>
+                      </p:stCondLst>
+                      <p:childTnLst>
+                        <p:par>
+                          <p:cTn id="12" fill="hold">
+                            <p:stCondLst>
+                              <p:cond delay="0"/>
+                            </p:stCondLst>
+                            <p:childTnLst>
+                              <p:par>
+                                <p:cTn id="13" presetID="1" presetClass="entr" presetSubtype="0" fill="hold" grpId="0" nodeType="clickEffect">
+                                  <p:stCondLst>
+                                    <p:cond delay="0"/>
+                                  </p:stCondLst>
+                                  <p:childTnLst>
+                                    <p:set>
+                                      <p:cBhvr>
+                                        <p:cTn id="14" dur="1" fill="hold">
+                                          <p:stCondLst>
+                                            <p:cond delay="0"/>
+                                          </p:stCondLst>
+                                        </p:cTn>
+                                        <p:tgtEl>
+                                          <p:spTgt spid="25"/>
+                                        </p:tgtEl>
+                                        <p:attrNameLst>
+                                          <p:attrName>style.visibility</p:attrName>
+                                        </p:attrNameLst>
+                                      </p:cBhvr>
+                                      <p:to>
+                                        <p:strVal val="visible"/>
+                                      </p:to>
+                                    </p:set>
+                                  </p:childTnLst>
+                                </p:cTn>
+                              </p:par>
+                              <p:par>
+                                <p:cTn id="15" presetID="1" presetClass="entr" presetSubtype="0" fill="hold" grpId="0" nodeType="withEffect">
+                                  <p:stCondLst>
+                                    <p:cond delay="0"/>
+                                  </p:stCondLst>
+                                  <p:childTnLst>
+                                    <p:set>
+                                      <p:cBhvr>
+                                        <p:cTn id="16" dur="1" fill="hold">
+                                          <p:stCondLst>
+                                            <p:cond delay="0"/>
+                                          </p:stCondLst>
+                                        </p:cTn>
+                                        <p:tgtEl>
+                                          <p:spTgt spid="7"/>
+                                        </p:tgtEl>
+                                        <p:attrNameLst>
+                                          <p:attrName>style.visibility</p:attrName>
+                                        </p:attrNameLst>
+                                      </p:cBhvr>
+                                      <p:to>
+                                        <p:strVal val="visible"/>
+                                      </p:to>
+                                    </p:set>
+                                  </p:childTnLst>
+                                </p:cTn>
+                              </p:par>
+                              <p:par>
+                                <p:cTn id="17" presetID="1" presetClass="entr" presetSubtype="0" fill="hold" nodeType="withEffect">
+                                  <p:stCondLst>
+                                    <p:cond delay="0"/>
+                                  </p:stCondLst>
+                                  <p:childTnLst>
+                                    <p:set>
+                                      <p:cBhvr>
+                                        <p:cTn id="18" dur="1" fill="hold">
+                                          <p:stCondLst>
+                                            <p:cond delay="0"/>
+                                          </p:stCondLst>
+                                        </p:cTn>
+                                        <p:tgtEl>
+                                          <p:spTgt spid="6"/>
+                                        </p:tgtEl>
+                                        <p:attrNameLst>
+                                          <p:attrName>style.visibility</p:attrName>
+                                        </p:attrNameLst>
+                                      </p:cBhvr>
+                                      <p:to>
+                                        <p:strVal val="visible"/>
+                                      </p:to>
+                                    </p:set>
+                                  </p:childTnLst>
+                                </p:cTn>
+                              </p:par>
+                            </p:childTnLst>
+                          </p:cTn>
+                        </p:par>
+                      </p:childTnLst>
+                    </p:cTn>
+                  </p:par>
+                  <p:par>
+                    <p:cTn id="19" fill="hold">
+                      <p:stCondLst>
+                        <p:cond delay="indefinite"/>
+                      </p:stCondLst>
+                      <p:childTnLst>
+                        <p:par>
+                          <p:cTn id="20" fill="hold">
+                            <p:stCondLst>
+                              <p:cond delay="0"/>
+                            </p:stCondLst>
+                            <p:childTnLst>
+                              <p:par>
+                                <p:cTn id="21" presetID="1" presetClass="entr" presetSubtype="0" fill="hold" nodeType="clickEffect">
+                                  <p:stCondLst>
+                                    <p:cond delay="0"/>
+                                  </p:stCondLst>
+                                  <p:childTnLst>
+                                    <p:set>
+                                      <p:cBhvr>
+                                        <p:cTn id="22" dur="1" fill="hold">
+                                          <p:stCondLst>
+                                            <p:cond delay="0"/>
+                                          </p:stCondLst>
+                                        </p:cTn>
+                                        <p:tgtEl>
+                                          <p:spTgt spid="21"/>
+                                        </p:tgtEl>
+                                        <p:attrNameLst>
+                                          <p:attrName>style.visibility</p:attrName>
+                                        </p:attrNameLst>
+                                      </p:cBhvr>
+                                      <p:to>
+                                        <p:strVal val="visible"/>
+                                      </p:to>
+                                    </p:set>
+                                  </p:childTnLst>
+                                </p:cTn>
+                              </p:par>
+                              <p:par>
+                                <p:cTn id="23" presetID="1" presetClass="entr" presetSubtype="0" fill="hold" grpId="0" nodeType="withEffect">
+                                  <p:stCondLst>
+                                    <p:cond delay="0"/>
+                                  </p:stCondLst>
+                                  <p:childTnLst>
+                                    <p:set>
+                                      <p:cBhvr>
+                                        <p:cTn id="24" dur="1" fill="hold">
+                                          <p:stCondLst>
+                                            <p:cond delay="0"/>
+                                          </p:stCondLst>
+                                        </p:cTn>
+                                        <p:tgtEl>
+                                          <p:spTgt spid="28"/>
+                                        </p:tgtEl>
+                                        <p:attrNameLst>
+                                          <p:attrName>style.visibility</p:attrName>
+                                        </p:attrNameLst>
+                                      </p:cBhvr>
+                                      <p:to>
+                                        <p:strVal val="visible"/>
+                                      </p:to>
+                                    </p:set>
+                                  </p:childTnLst>
+                                </p:cTn>
+                              </p:par>
+                            </p:childTnLst>
+                          </p:cTn>
+                        </p:par>
+                      </p:childTnLst>
+                    </p:cTn>
+                  </p:par>
+                </p:childTnLst>
+              </p:cTn>
+              <p:prevCondLst>
+                <p:cond evt="onPrev" delay="0">
+                  <p:tgtEl>
+                    <p:sldTgt/>
+                  </p:tgtEl>
+                </p:cond>
+              </p:prevCondLst>
+              <p:nextCondLst>
+                <p:cond evt="onNext" delay="0">
+                  <p:tgtEl>
+                    <p:sldTgt/>
+                  </p:tgtEl>
+                </p:cond>
+              </p:nextCondLst>
+            </p:seq>
+          </p:childTnLst>
+        </p:cTn>
+      </p:par>
+    </p:tnLst>
+    <p:bldLst>
+      <p:bldP spid="7" grpId="0" animBg="1"/>
+      <p:bldP spid="22" grpId="0" animBg="1"/>
+      <p:bldP spid="23" grpId="0" animBg="1"/>
+      <p:bldP spid="24" grpId="0" animBg="1"/>
+      <p:bldP spid="25" grpId="0" animBg="1"/>
+      <p:bldP spid="28" grpId="0"/>
+    </p:bldLst>
+  </p:timing>
 </p:sld>
 </file>
 
@@ -6240,7 +6700,7 @@
         <p:spPr>
           <a:xfrm>
             <a:off x="3322040" y="1182075"/>
-            <a:ext cx="8869960" cy="4801314"/>
+            <a:ext cx="8869960" cy="5447645"/>
           </a:xfrm>
           <a:prstGeom prst="rect">
             <a:avLst/>
@@ -6263,17 +6723,77 @@
           </a:p>
           <a:p>
             <a:pPr algn="ctr"/>
-            <a:endParaRPr lang="es-AR" spc="300" dirty="0">
+            <a:endParaRPr lang="en-US" spc="300" dirty="0">
               <a:latin typeface="Avenir Next LT Pro Light" panose="020B0304020202020204" pitchFamily="34" charset="0"/>
             </a:endParaRPr>
           </a:p>
           <a:p>
             <a:pPr algn="ctr"/>
-            <a:r>
-              <a:rPr lang="es-AR" dirty="0">
-                <a:latin typeface="Avenir Next LT Pro Light" panose="020B0304020202020204" pitchFamily="34" charset="0"/>
-              </a:rPr>
-              <a:t>Proponemos aplicar algún modelo de clasificación e inferir si el paciente muere o no.</a:t>
+            <a:endParaRPr lang="en-US" spc="300" dirty="0">
+              <a:latin typeface="Avenir Next LT Pro Light" panose="020B0304020202020204" pitchFamily="34" charset="0"/>
+            </a:endParaRPr>
+          </a:p>
+          <a:p>
+            <a:pPr algn="ctr"/>
+            <a:r>
+              <a:rPr lang="es-AR" sz="2000" dirty="0">
+                <a:latin typeface="Avenir Next LT Pro Light" panose="020B0304020202020204" pitchFamily="34" charset="0"/>
+              </a:rPr>
+              <a:t>Proponemos aplicar algún modelo de clasificación e inferir si el paciente muere o no (con un intervalo de confianza).</a:t>
+            </a:r>
+          </a:p>
+          <a:p>
+            <a:pPr algn="ctr"/>
+            <a:endParaRPr lang="en-US" sz="2000" spc="300" dirty="0">
+              <a:latin typeface="Avenir Next LT Pro Light" panose="020B0304020202020204" pitchFamily="34" charset="0"/>
+            </a:endParaRPr>
+          </a:p>
+          <a:p>
+            <a:pPr algn="ctr"/>
+            <a:r>
+              <a:rPr lang="en-US" spc="300" dirty="0">
+                <a:solidFill>
+                  <a:schemeClr val="accent6"/>
+                </a:solidFill>
+                <a:latin typeface="Avenir Next LT Pro Light" panose="020B0304020202020204" pitchFamily="34" charset="0"/>
+              </a:rPr>
+              <a:t>LOGISTIC REGRESSION</a:t>
+            </a:r>
+          </a:p>
+          <a:p>
+            <a:pPr algn="ctr"/>
+            <a:r>
+              <a:rPr lang="en-US" spc="300" dirty="0">
+                <a:solidFill>
+                  <a:schemeClr val="accent6"/>
+                </a:solidFill>
+                <a:latin typeface="Avenir Next LT Pro Light" panose="020B0304020202020204" pitchFamily="34" charset="0"/>
+              </a:rPr>
+              <a:t>NAIVE BAYES</a:t>
+            </a:r>
+          </a:p>
+          <a:p>
+            <a:pPr algn="ctr"/>
+            <a:r>
+              <a:rPr lang="en-US" spc="300" dirty="0">
+                <a:solidFill>
+                  <a:schemeClr val="accent6"/>
+                </a:solidFill>
+                <a:latin typeface="Avenir Next LT Pro Light" panose="020B0304020202020204" pitchFamily="34" charset="0"/>
+              </a:rPr>
+              <a:t>DECISION TREE</a:t>
+            </a:r>
+          </a:p>
+          <a:p>
+            <a:pPr algn="ctr"/>
+            <a:r>
+              <a:rPr lang="en-US" spc="300" dirty="0">
+                <a:solidFill>
+                  <a:schemeClr val="accent6"/>
+                </a:solidFill>
+                <a:latin typeface="Avenir Next LT Pro Light" panose="020B0304020202020204" pitchFamily="34" charset="0"/>
+              </a:rPr>
+              <a:t>SUPER VECTOR MACHINES</a:t>
             </a:r>
           </a:p>
           <a:p>
@@ -6290,9 +6810,12 @@
           </a:p>
           <a:p>
             <a:pPr algn="ctr"/>
-            <a:endParaRPr lang="es-AR" spc="300" dirty="0">
-              <a:latin typeface="Avenir Next LT Pro Light" panose="020B0304020202020204" pitchFamily="34" charset="0"/>
-            </a:endParaRPr>
+            <a:r>
+              <a:rPr lang="es-AR" spc="300" dirty="0">
+                <a:latin typeface="Avenir Next LT Pro Light" panose="020B0304020202020204" pitchFamily="34" charset="0"/>
+              </a:rPr>
+              <a:t>SELECCIÓN DE FEATURES MÁS SIGNIFICATIVOS </a:t>
+            </a:r>
           </a:p>
           <a:p>
             <a:pPr algn="ctr"/>
@@ -6302,9 +6825,24 @@
           </a:p>
           <a:p>
             <a:pPr algn="ctr"/>
-            <a:endParaRPr lang="es-AR" spc="300" dirty="0">
-              <a:latin typeface="Avenir Next LT Pro Light" panose="020B0304020202020204" pitchFamily="34" charset="0"/>
-            </a:endParaRPr>
+            <a:r>
+              <a:rPr lang="es-AR" dirty="0">
+                <a:latin typeface="Avenir Next LT Pro Light" panose="020B0304020202020204" pitchFamily="34" charset="0"/>
+              </a:rPr>
+              <a:t>Buscaremos, dependiendo la conveniencia de nuestro modelo, que y cuantos </a:t>
+            </a:r>
+            <a:r>
+              <a:rPr lang="es-AR" dirty="0" err="1">
+                <a:latin typeface="Avenir Next LT Pro Light" panose="020B0304020202020204" pitchFamily="34" charset="0"/>
+              </a:rPr>
+              <a:t>features</a:t>
+            </a:r>
+            <a:r>
+              <a:rPr lang="es-AR" dirty="0">
+                <a:latin typeface="Avenir Next LT Pro Light" panose="020B0304020202020204" pitchFamily="34" charset="0"/>
+              </a:rPr>
+              <a:t> son realmente necesarios y si es necesario o no aplicar algún método de reducción de grado como PCA.</a:t>
+            </a:r>
           </a:p>
           <a:p>
             <a:pPr algn="ctr"/>
@@ -6315,134 +6853,6 @@
           <a:p>
             <a:pPr algn="ctr"/>
             <a:endParaRPr lang="es-AR" spc="300" dirty="0">
-              <a:latin typeface="Avenir Next LT Pro Light" panose="020B0304020202020204" pitchFamily="34" charset="0"/>
-            </a:endParaRPr>
-          </a:p>
-          <a:p>
-            <a:pPr algn="ctr"/>
-            <a:endParaRPr lang="es-AR" spc="300" dirty="0">
-              <a:latin typeface="Avenir Next LT Pro Light" panose="020B0304020202020204" pitchFamily="34" charset="0"/>
-            </a:endParaRPr>
-          </a:p>
-          <a:p>
-            <a:pPr algn="ctr"/>
-            <a:br>
-              <a:rPr lang="es-AR" spc="300" dirty="0">
-                <a:latin typeface="Avenir Next LT Pro Light" panose="020B0304020202020204" pitchFamily="34" charset="0"/>
-              </a:rPr>
-            </a:br>
-            <a:r>
-              <a:rPr lang="es-AR" spc="300" dirty="0">
-                <a:latin typeface="Avenir Next LT Pro Light" panose="020B0304020202020204" pitchFamily="34" charset="0"/>
-              </a:rPr>
-              <a:t>PROBLEMA DE REGRESIÓN</a:t>
-            </a:r>
-          </a:p>
-          <a:p>
-            <a:pPr algn="ctr"/>
-            <a:endParaRPr lang="en-US" spc="300" dirty="0">
-              <a:latin typeface="Avenir Next LT Pro Light" panose="020B0304020202020204" pitchFamily="34" charset="0"/>
-            </a:endParaRPr>
-          </a:p>
-          <a:p>
-            <a:pPr algn="ctr"/>
-            <a:r>
-              <a:rPr lang="en-US" dirty="0" err="1">
-                <a:latin typeface="Avenir Next LT Pro Light" panose="020B0304020202020204" pitchFamily="34" charset="0"/>
-              </a:rPr>
-              <a:t>Proponemos</a:t>
-            </a:r>
-            <a:r>
-              <a:rPr lang="en-US" dirty="0">
-                <a:latin typeface="Avenir Next LT Pro Light" panose="020B0304020202020204" pitchFamily="34" charset="0"/>
-              </a:rPr>
-              <a:t> </a:t>
-            </a:r>
-            <a:r>
-              <a:rPr lang="en-US" dirty="0" err="1">
-                <a:latin typeface="Avenir Next LT Pro Light" panose="020B0304020202020204" pitchFamily="34" charset="0"/>
-              </a:rPr>
-              <a:t>aplicar</a:t>
-            </a:r>
-            <a:r>
-              <a:rPr lang="en-US" dirty="0">
-                <a:latin typeface="Avenir Next LT Pro Light" panose="020B0304020202020204" pitchFamily="34" charset="0"/>
-              </a:rPr>
-              <a:t> </a:t>
-            </a:r>
-            <a:r>
-              <a:rPr lang="en-US" dirty="0" err="1">
-                <a:latin typeface="Avenir Next LT Pro Light" panose="020B0304020202020204" pitchFamily="34" charset="0"/>
-              </a:rPr>
-              <a:t>algún</a:t>
-            </a:r>
-            <a:r>
-              <a:rPr lang="en-US" dirty="0">
-                <a:latin typeface="Avenir Next LT Pro Light" panose="020B0304020202020204" pitchFamily="34" charset="0"/>
-              </a:rPr>
-              <a:t> </a:t>
-            </a:r>
-            <a:r>
-              <a:rPr lang="en-US" dirty="0" err="1">
-                <a:latin typeface="Avenir Next LT Pro Light" panose="020B0304020202020204" pitchFamily="34" charset="0"/>
-              </a:rPr>
-              <a:t>modelo</a:t>
-            </a:r>
-            <a:r>
-              <a:rPr lang="en-US" dirty="0">
-                <a:latin typeface="Avenir Next LT Pro Light" panose="020B0304020202020204" pitchFamily="34" charset="0"/>
-              </a:rPr>
-              <a:t> de </a:t>
-            </a:r>
-            <a:r>
-              <a:rPr lang="en-US" dirty="0" err="1">
-                <a:latin typeface="Avenir Next LT Pro Light" panose="020B0304020202020204" pitchFamily="34" charset="0"/>
-              </a:rPr>
-              <a:t>regresión</a:t>
-            </a:r>
-            <a:r>
-              <a:rPr lang="en-US" dirty="0">
-                <a:latin typeface="Avenir Next LT Pro Light" panose="020B0304020202020204" pitchFamily="34" charset="0"/>
-              </a:rPr>
-              <a:t> y </a:t>
-            </a:r>
-            <a:r>
-              <a:rPr lang="en-US" dirty="0" err="1">
-                <a:latin typeface="Avenir Next LT Pro Light" panose="020B0304020202020204" pitchFamily="34" charset="0"/>
-              </a:rPr>
-              <a:t>estimar</a:t>
-            </a:r>
-            <a:r>
-              <a:rPr lang="en-US" dirty="0">
-                <a:latin typeface="Avenir Next LT Pro Light" panose="020B0304020202020204" pitchFamily="34" charset="0"/>
-              </a:rPr>
-              <a:t> la </a:t>
-            </a:r>
-            <a:r>
-              <a:rPr lang="en-US" dirty="0" err="1">
-                <a:latin typeface="Avenir Next LT Pro Light" panose="020B0304020202020204" pitchFamily="34" charset="0"/>
-              </a:rPr>
-              <a:t>probabilidad</a:t>
-            </a:r>
-            <a:r>
-              <a:rPr lang="en-US" dirty="0">
-                <a:latin typeface="Avenir Next LT Pro Light" panose="020B0304020202020204" pitchFamily="34" charset="0"/>
-              </a:rPr>
-              <a:t> de </a:t>
-            </a:r>
-            <a:r>
-              <a:rPr lang="en-US" dirty="0" err="1">
-                <a:latin typeface="Avenir Next LT Pro Light" panose="020B0304020202020204" pitchFamily="34" charset="0"/>
-              </a:rPr>
-              <a:t>muerte</a:t>
-            </a:r>
-            <a:r>
-              <a:rPr lang="en-US" dirty="0">
-                <a:latin typeface="Avenir Next LT Pro Light" panose="020B0304020202020204" pitchFamily="34" charset="0"/>
-              </a:rPr>
-              <a:t>.</a:t>
-            </a:r>
-            <a:endParaRPr lang="es-AR" dirty="0">
               <a:latin typeface="Avenir Next LT Pro Light" panose="020B0304020202020204" pitchFamily="34" charset="0"/>
             </a:endParaRPr>
           </a:p>
